--- a/backend/pptx-generator/templates/template.pptx
+++ b/backend/pptx-generator/templates/template.pptx
@@ -257,7 +257,7 @@
           <a:p>
             <a:fld id="{A65AF327-09E9-4D31-8D70-3EA94FAFF528}" type="datetimeFigureOut">
               <a:rPr lang="ru-RU" smtClean="0"/>
-              <a:t>17.03.2025</a:t>
+              <a:t>21.03.2025</a:t>
             </a:fld>
             <a:endParaRPr lang="ru-RU"/>
           </a:p>
@@ -450,7 +450,7 @@
           <a:p>
             <a:fld id="{5279202E-404E-48F2-B594-91972C2BB880}" type="datetimeFigureOut">
               <a:rPr lang="ru-RU" smtClean="0"/>
-              <a:t>17.03.2025</a:t>
+              <a:t>21.03.2025</a:t>
             </a:fld>
             <a:endParaRPr lang="ru-RU"/>
           </a:p>
@@ -18475,90 +18475,6 @@
           </a:p>
         </p:txBody>
       </p:sp>
-      <p:cxnSp>
-        <p:nvCxnSpPr>
-          <p:cNvPr id="245" name="Прямая соединительная линия 244">
-            <a:extLst>
-              <a:ext uri="{FF2B5EF4-FFF2-40B4-BE49-F238E27FC236}">
-                <a16:creationId xmlns:a16="http://schemas.microsoft.com/office/drawing/2014/main" id="{DB8E48F9-7EAD-DF49-D29A-1573EF25A0B7}"/>
-              </a:ext>
-            </a:extLst>
-          </p:cNvPr>
-          <p:cNvCxnSpPr>
-            <a:cxnSpLocks/>
-            <a:stCxn id="244" idx="2"/>
-          </p:cNvCxnSpPr>
-          <p:nvPr/>
-        </p:nvCxnSpPr>
-        <p:spPr>
-          <a:xfrm flipH="1">
-            <a:off x="3448186" y="2176599"/>
-            <a:ext cx="483755" cy="3214352"/>
-          </a:xfrm>
-          <a:prstGeom prst="line">
-            <a:avLst/>
-          </a:prstGeom>
-          <a:noFill/>
-          <a:ln w="22225" cap="sq">
-            <a:solidFill>
-              <a:srgbClr val="FFB308"/>
-            </a:solidFill>
-            <a:round/>
-            <a:headEnd w="lg" len="lg"/>
-            <a:tailEnd type="none" w="med" len="med"/>
-          </a:ln>
-          <a:effectLst>
-            <a:glow>
-              <a:schemeClr val="bg1"/>
-            </a:glow>
-          </a:effectLst>
-        </p:spPr>
-      </p:cxnSp>
-      <p:sp>
-        <p:nvSpPr>
-          <p:cNvPr id="271" name="Ромб 270">
-            <a:extLst>
-              <a:ext uri="{FF2B5EF4-FFF2-40B4-BE49-F238E27FC236}">
-                <a16:creationId xmlns:a16="http://schemas.microsoft.com/office/drawing/2014/main" id="{672A1029-5741-E72E-6CB9-55297E02E861}"/>
-              </a:ext>
-            </a:extLst>
-          </p:cNvPr>
-          <p:cNvSpPr/>
-          <p:nvPr/>
-        </p:nvSpPr>
-        <p:spPr>
-          <a:xfrm>
-            <a:off x="3330016" y="5382108"/>
-            <a:ext cx="216000" cy="216000"/>
-          </a:xfrm>
-          <a:prstGeom prst="diamond">
-            <a:avLst/>
-          </a:prstGeom>
-          <a:solidFill>
-            <a:srgbClr val="FFB408"/>
-          </a:solidFill>
-          <a:ln w="6350">
-            <a:solidFill>
-              <a:schemeClr val="tx1">
-                <a:lumMod val="85000"/>
-                <a:lumOff val="15000"/>
-              </a:schemeClr>
-            </a:solidFill>
-            <a:round/>
-            <a:headEnd w="lg" len="lg"/>
-            <a:tailEnd type="oval" w="med" len="med"/>
-          </a:ln>
-          <a:effectLst/>
-        </p:spPr>
-        <p:txBody>
-          <a:bodyPr rtlCol="0" anchor="ctr"/>
-          <a:lstStyle/>
-          <a:p>
-            <a:pPr algn="ctr"/>
-            <a:endParaRPr lang="ru-RU" sz="3030"/>
-          </a:p>
-        </p:txBody>
-      </p:sp>
       <p:grpSp>
         <p:nvGrpSpPr>
           <p:cNvPr id="68" name="Группа 67"/>
@@ -19048,128 +18964,6 @@
           </p:txBody>
         </p:sp>
       </p:grpSp>
-      <p:sp>
-        <p:nvSpPr>
-          <p:cNvPr id="244" name="TextBox 243">
-            <a:extLst>
-              <a:ext uri="{FF2B5EF4-FFF2-40B4-BE49-F238E27FC236}">
-                <a16:creationId xmlns:a16="http://schemas.microsoft.com/office/drawing/2014/main" id="{87B58024-C4DE-A4C8-287B-1B580047B529}"/>
-              </a:ext>
-            </a:extLst>
-          </p:cNvPr>
-          <p:cNvSpPr txBox="1"/>
-          <p:nvPr/>
-        </p:nvSpPr>
-        <p:spPr>
-          <a:xfrm>
-            <a:off x="942090" y="1399081"/>
-            <a:ext cx="5979701" cy="777518"/>
-          </a:xfrm>
-          <a:prstGeom prst="roundRect">
-            <a:avLst/>
-          </a:prstGeom>
-          <a:noFill/>
-          <a:ln w="19050">
-            <a:solidFill>
-              <a:srgbClr val="FFB308"/>
-            </a:solidFill>
-          </a:ln>
-        </p:spPr>
-        <p:txBody>
-          <a:bodyPr wrap="square">
-            <a:spAutoFit/>
-          </a:bodyPr>
-          <a:lstStyle/>
-          <a:p>
-            <a:pPr marL="12700" marR="5080" indent="-635" algn="ctr">
-              <a:spcBef>
-                <a:spcPts val="100"/>
-              </a:spcBef>
-            </a:pPr>
-            <a:r>
-              <a:rPr lang="ru-RU" sz="1400" b="1" dirty="0">
-                <a:latin typeface="Century Gothic"/>
-                <a:cs typeface="Century Gothic"/>
-              </a:rPr>
-              <a:t>Херсонская ул., вл. 20</a:t>
-            </a:r>
-          </a:p>
-          <a:p>
-            <a:pPr marL="12700" marR="5080" indent="-635" algn="ctr">
-              <a:spcBef>
-                <a:spcPts val="100"/>
-              </a:spcBef>
-            </a:pPr>
-            <a:r>
-              <a:rPr lang="ru-RU" sz="1200" b="1" u="sng" dirty="0">
-                <a:latin typeface="Century Gothic"/>
-                <a:cs typeface="Century Gothic"/>
-              </a:rPr>
-              <a:t>Смешанная поликлиника на 750 мест</a:t>
-            </a:r>
-            <a:endParaRPr lang="en-US" sz="1200" b="1" u="sng" dirty="0">
-              <a:latin typeface="Century Gothic"/>
-              <a:cs typeface="Century Gothic"/>
-            </a:endParaRPr>
-          </a:p>
-          <a:p>
-            <a:pPr marL="12700" marR="5080" indent="-635" algn="ctr">
-              <a:spcBef>
-                <a:spcPts val="100"/>
-              </a:spcBef>
-            </a:pPr>
-            <a:r>
-              <a:rPr lang="ru-RU" sz="1200" b="1" u="sng" dirty="0">
-                <a:latin typeface="Century Gothic"/>
-                <a:cs typeface="Century Gothic"/>
-              </a:rPr>
-              <a:t>(Детские</a:t>
-            </a:r>
-            <a:r>
-              <a:rPr lang="en-US" sz="1200" b="1" u="sng" dirty="0">
-                <a:latin typeface="Century Gothic"/>
-                <a:cs typeface="Century Gothic"/>
-              </a:rPr>
-              <a:t>: </a:t>
-            </a:r>
-            <a:r>
-              <a:rPr lang="ru-RU" sz="1200" b="1" u="sng" dirty="0">
-                <a:latin typeface="Century Gothic"/>
-                <a:cs typeface="Century Gothic"/>
-              </a:rPr>
-              <a:t>300 мест</a:t>
-            </a:r>
-            <a:r>
-              <a:rPr lang="en-US" sz="1200" b="1" u="sng" dirty="0">
-                <a:latin typeface="Century Gothic"/>
-                <a:cs typeface="Century Gothic"/>
-              </a:rPr>
-              <a:t>, </a:t>
-            </a:r>
-            <a:r>
-              <a:rPr lang="ru-RU" sz="1200" b="1" u="sng" dirty="0">
-                <a:latin typeface="Century Gothic"/>
-                <a:cs typeface="Century Gothic"/>
-              </a:rPr>
-              <a:t>Взрослые</a:t>
-            </a:r>
-            <a:r>
-              <a:rPr lang="en-US" sz="1200" b="1" u="sng" dirty="0">
-                <a:latin typeface="Century Gothic"/>
-                <a:cs typeface="Century Gothic"/>
-              </a:rPr>
-              <a:t>: 250 </a:t>
-            </a:r>
-            <a:r>
-              <a:rPr lang="ru-RU" sz="1200" b="1" u="sng" dirty="0">
-                <a:latin typeface="Century Gothic"/>
-                <a:cs typeface="Century Gothic"/>
-              </a:rPr>
-              <a:t>мест)</a:t>
-            </a:r>
-          </a:p>
-        </p:txBody>
-      </p:sp>
       <p:pic>
         <p:nvPicPr>
           <p:cNvPr id="71" name="Рисунок 70">
@@ -21609,46 +21403,6 @@
           </a:p>
         </p:txBody>
       </p:sp>
-      <p:sp>
-        <p:nvSpPr>
-          <p:cNvPr id="75" name="Звезда: 5 точек 74">
-            <a:extLst>
-              <a:ext uri="{FF2B5EF4-FFF2-40B4-BE49-F238E27FC236}">
-                <a16:creationId xmlns:a16="http://schemas.microsoft.com/office/drawing/2014/main" id="{C011D44E-1E17-6B04-6766-C1AB08CF0C6B}"/>
-              </a:ext>
-            </a:extLst>
-          </p:cNvPr>
-          <p:cNvSpPr/>
-          <p:nvPr/>
-        </p:nvSpPr>
-        <p:spPr>
-          <a:xfrm>
-            <a:off x="5879446" y="1263145"/>
-            <a:ext cx="856527" cy="794004"/>
-          </a:xfrm>
-          <a:prstGeom prst="star5">
-            <a:avLst/>
-          </a:prstGeom>
-          <a:solidFill>
-            <a:srgbClr val="C00000"/>
-          </a:solidFill>
-          <a:ln w="19050">
-            <a:noFill/>
-            <a:round/>
-            <a:headEnd w="lg" len="lg"/>
-            <a:tailEnd type="oval" w="med" len="med"/>
-          </a:ln>
-          <a:effectLst/>
-        </p:spPr>
-        <p:txBody>
-          <a:bodyPr rtlCol="0" anchor="ctr"/>
-          <a:lstStyle/>
-          <a:p>
-            <a:pPr algn="ctr"/>
-            <a:endParaRPr lang="ru-RU" sz="3030"/>
-          </a:p>
-        </p:txBody>
-      </p:sp>
     </p:spTree>
     <p:extLst>
       <p:ext uri="{BB962C8B-B14F-4D97-AF65-F5344CB8AC3E}">
